--- a/Assets/Textures/PowerPoint/Operation.pptx
+++ b/Assets/Textures/PowerPoint/Operation.pptx
@@ -104,6 +104,11 @@
       </a:defRPr>
     </a:lvl9pPr>
   </p:defaultTextStyle>
+  <p:extLst>
+    <p:ext uri="{EFAFB233-063F-42B5-8137-9DF3F51BA10A}">
+      <p15:sldGuideLst xmlns:p15="http://schemas.microsoft.com/office/powerpoint/2012/main"/>
+    </p:ext>
+  </p:extLst>
 </p:presentation>
 </file>
 
@@ -254,7 +259,7 @@
           <a:p>
             <a:fld id="{83144CB0-CDBF-4BEA-9B77-B315ED85BBB6}" type="datetimeFigureOut">
               <a:rPr kumimoji="1" lang="ja-JP" altLang="en-US" smtClean="0"/>
-              <a:t>2021/6/27</a:t>
+              <a:t>2021/6/29</a:t>
             </a:fld>
             <a:endParaRPr kumimoji="1" lang="ja-JP" altLang="en-US"/>
           </a:p>
@@ -484,7 +489,7 @@
           <a:p>
             <a:fld id="{83144CB0-CDBF-4BEA-9B77-B315ED85BBB6}" type="datetimeFigureOut">
               <a:rPr kumimoji="1" lang="ja-JP" altLang="en-US" smtClean="0"/>
-              <a:t>2021/6/27</a:t>
+              <a:t>2021/6/29</a:t>
             </a:fld>
             <a:endParaRPr kumimoji="1" lang="ja-JP" altLang="en-US"/>
           </a:p>
@@ -724,7 +729,7 @@
           <a:p>
             <a:fld id="{83144CB0-CDBF-4BEA-9B77-B315ED85BBB6}" type="datetimeFigureOut">
               <a:rPr kumimoji="1" lang="ja-JP" altLang="en-US" smtClean="0"/>
-              <a:t>2021/6/27</a:t>
+              <a:t>2021/6/29</a:t>
             </a:fld>
             <a:endParaRPr kumimoji="1" lang="ja-JP" altLang="en-US"/>
           </a:p>
@@ -954,7 +959,7 @@
           <a:p>
             <a:fld id="{83144CB0-CDBF-4BEA-9B77-B315ED85BBB6}" type="datetimeFigureOut">
               <a:rPr kumimoji="1" lang="ja-JP" altLang="en-US" smtClean="0"/>
-              <a:t>2021/6/27</a:t>
+              <a:t>2021/6/29</a:t>
             </a:fld>
             <a:endParaRPr kumimoji="1" lang="ja-JP" altLang="en-US"/>
           </a:p>
@@ -1229,7 +1234,7 @@
           <a:p>
             <a:fld id="{83144CB0-CDBF-4BEA-9B77-B315ED85BBB6}" type="datetimeFigureOut">
               <a:rPr kumimoji="1" lang="ja-JP" altLang="en-US" smtClean="0"/>
-              <a:t>2021/6/27</a:t>
+              <a:t>2021/6/29</a:t>
             </a:fld>
             <a:endParaRPr kumimoji="1" lang="ja-JP" altLang="en-US"/>
           </a:p>
@@ -1558,7 +1563,7 @@
           <a:p>
             <a:fld id="{83144CB0-CDBF-4BEA-9B77-B315ED85BBB6}" type="datetimeFigureOut">
               <a:rPr kumimoji="1" lang="ja-JP" altLang="en-US" smtClean="0"/>
-              <a:t>2021/6/27</a:t>
+              <a:t>2021/6/29</a:t>
             </a:fld>
             <a:endParaRPr kumimoji="1" lang="ja-JP" altLang="en-US"/>
           </a:p>
@@ -2034,7 +2039,7 @@
           <a:p>
             <a:fld id="{83144CB0-CDBF-4BEA-9B77-B315ED85BBB6}" type="datetimeFigureOut">
               <a:rPr kumimoji="1" lang="ja-JP" altLang="en-US" smtClean="0"/>
-              <a:t>2021/6/27</a:t>
+              <a:t>2021/6/29</a:t>
             </a:fld>
             <a:endParaRPr kumimoji="1" lang="ja-JP" altLang="en-US"/>
           </a:p>
@@ -2175,7 +2180,7 @@
           <a:p>
             <a:fld id="{83144CB0-CDBF-4BEA-9B77-B315ED85BBB6}" type="datetimeFigureOut">
               <a:rPr kumimoji="1" lang="ja-JP" altLang="en-US" smtClean="0"/>
-              <a:t>2021/6/27</a:t>
+              <a:t>2021/6/29</a:t>
             </a:fld>
             <a:endParaRPr kumimoji="1" lang="ja-JP" altLang="en-US"/>
           </a:p>
@@ -2288,7 +2293,7 @@
           <a:p>
             <a:fld id="{83144CB0-CDBF-4BEA-9B77-B315ED85BBB6}" type="datetimeFigureOut">
               <a:rPr kumimoji="1" lang="ja-JP" altLang="en-US" smtClean="0"/>
-              <a:t>2021/6/27</a:t>
+              <a:t>2021/6/29</a:t>
             </a:fld>
             <a:endParaRPr kumimoji="1" lang="ja-JP" altLang="en-US"/>
           </a:p>
@@ -2631,7 +2636,7 @@
           <a:p>
             <a:fld id="{83144CB0-CDBF-4BEA-9B77-B315ED85BBB6}" type="datetimeFigureOut">
               <a:rPr kumimoji="1" lang="ja-JP" altLang="en-US" smtClean="0"/>
-              <a:t>2021/6/27</a:t>
+              <a:t>2021/6/29</a:t>
             </a:fld>
             <a:endParaRPr kumimoji="1" lang="ja-JP" altLang="en-US"/>
           </a:p>
@@ -2919,7 +2924,7 @@
           <a:p>
             <a:fld id="{83144CB0-CDBF-4BEA-9B77-B315ED85BBB6}" type="datetimeFigureOut">
               <a:rPr kumimoji="1" lang="ja-JP" altLang="en-US" smtClean="0"/>
-              <a:t>2021/6/27</a:t>
+              <a:t>2021/6/29</a:t>
             </a:fld>
             <a:endParaRPr kumimoji="1" lang="ja-JP" altLang="en-US"/>
           </a:p>
@@ -3192,7 +3197,7 @@
           <a:p>
             <a:fld id="{83144CB0-CDBF-4BEA-9B77-B315ED85BBB6}" type="datetimeFigureOut">
               <a:rPr kumimoji="1" lang="ja-JP" altLang="en-US" smtClean="0"/>
-              <a:t>2021/6/27</a:t>
+              <a:t>2021/6/29</a:t>
             </a:fld>
             <a:endParaRPr kumimoji="1" lang="ja-JP" altLang="en-US"/>
           </a:p>
@@ -3719,7 +3724,7 @@
         </p:nvSpPr>
         <p:spPr>
           <a:xfrm>
-            <a:off x="6866968" y="5756039"/>
+            <a:off x="1867452" y="5280735"/>
             <a:ext cx="1416423" cy="376518"/>
           </a:xfrm>
           <a:prstGeom prst="borderCallout2">
@@ -3728,8 +3733,8 @@
               <a:gd name="adj2" fmla="val 34733"/>
               <a:gd name="adj3" fmla="val 2961"/>
               <a:gd name="adj4" fmla="val 35888"/>
-              <a:gd name="adj5" fmla="val -431359"/>
-              <a:gd name="adj6" fmla="val 110461"/>
+              <a:gd name="adj5" fmla="val -526597"/>
+              <a:gd name="adj6" fmla="val 56664"/>
             </a:avLst>
           </a:prstGeom>
           <a:solidFill>
@@ -3792,7 +3797,7 @@
         </p:nvSpPr>
         <p:spPr>
           <a:xfrm>
-            <a:off x="8723111" y="5670875"/>
+            <a:off x="3021107" y="4729582"/>
             <a:ext cx="1416423" cy="376518"/>
           </a:xfrm>
           <a:prstGeom prst="borderCallout2">
@@ -3865,7 +3870,7 @@
         </p:nvSpPr>
         <p:spPr>
           <a:xfrm>
-            <a:off x="5185381" y="5369858"/>
+            <a:off x="654876" y="4644765"/>
             <a:ext cx="1416423" cy="376518"/>
           </a:xfrm>
           <a:prstGeom prst="borderCallout2">
@@ -3874,8 +3879,8 @@
               <a:gd name="adj2" fmla="val 34733"/>
               <a:gd name="adj3" fmla="val 2961"/>
               <a:gd name="adj4" fmla="val 35888"/>
-              <a:gd name="adj5" fmla="val -317074"/>
-              <a:gd name="adj6" fmla="val 200334"/>
+              <a:gd name="adj5" fmla="val -364693"/>
+              <a:gd name="adj6" fmla="val 106663"/>
             </a:avLst>
           </a:prstGeom>
           <a:solidFill>
@@ -3938,17 +3943,17 @@
         </p:nvSpPr>
         <p:spPr>
           <a:xfrm>
-            <a:off x="10139534" y="4913007"/>
+            <a:off x="2071299" y="1017144"/>
             <a:ext cx="1416423" cy="376518"/>
           </a:xfrm>
           <a:prstGeom prst="borderCallout2">
             <a:avLst>
-              <a:gd name="adj1" fmla="val 1206"/>
-              <a:gd name="adj2" fmla="val 34733"/>
-              <a:gd name="adj3" fmla="val 2961"/>
-              <a:gd name="adj4" fmla="val 35888"/>
-              <a:gd name="adj5" fmla="val -352788"/>
-              <a:gd name="adj6" fmla="val -113590"/>
+              <a:gd name="adj1" fmla="val 101206"/>
+              <a:gd name="adj2" fmla="val 34100"/>
+              <a:gd name="adj3" fmla="val 100580"/>
+              <a:gd name="adj4" fmla="val 33356"/>
+              <a:gd name="adj5" fmla="val 435307"/>
+              <a:gd name="adj6" fmla="val 40840"/>
             </a:avLst>
           </a:prstGeom>
           <a:solidFill>
@@ -4011,7 +4016,7 @@
         </p:nvSpPr>
         <p:spPr>
           <a:xfrm>
-            <a:off x="2492188" y="5482616"/>
+            <a:off x="5857555" y="4955589"/>
             <a:ext cx="1416423" cy="376518"/>
           </a:xfrm>
           <a:prstGeom prst="borderCallout2">
@@ -4020,8 +4025,8 @@
               <a:gd name="adj2" fmla="val 34733"/>
               <a:gd name="adj3" fmla="val 2961"/>
               <a:gd name="adj4" fmla="val 35888"/>
-              <a:gd name="adj5" fmla="val -343264"/>
-              <a:gd name="adj6" fmla="val 164259"/>
+              <a:gd name="adj5" fmla="val -221836"/>
+              <a:gd name="adj6" fmla="val -64222"/>
             </a:avLst>
           </a:prstGeom>
           <a:solidFill>
